--- a/print/lesson_81_java.pptx
+++ b/print/lesson_81_java.pptx
@@ -2959,7 +2959,7 @@
           <a:p>
             <a:pPr/>
             <a:r>
-              <a:t>Dr. O’Brien, 11/8/21</a:t>
+              <a:t>Dr. O’Brien, 11/9/21</a:t>
             </a:r>
           </a:p>
         </p:txBody>
@@ -5696,7 +5696,7 @@
         </p:blipFill>
         <p:spPr>
           <a:xfrm>
-            <a:off x="4656996" y="1699514"/>
+            <a:off x="4656995" y="1699514"/>
             <a:ext cx="3197844" cy="2859786"/>
           </a:xfrm>
           <a:prstGeom prst="rect">
@@ -6608,8 +6608,8 @@
       </p:par>
     </p:tnLst>
     <p:bldLst>
+      <p:bldP build="whole" bldLvl="1" animBg="1" rev="0" advAuto="0" spid="186" grpId="2"/>
       <p:bldP build="whole" bldLvl="1" animBg="1" rev="0" advAuto="0" spid="185" grpId="1"/>
-      <p:bldP build="whole" bldLvl="1" animBg="1" rev="0" advAuto="0" spid="186" grpId="2"/>
     </p:bldLst>
   </p:timing>
 </p:sld>
